--- a/vitis_slides/21a_Lab3_Intro.PPTX
+++ b/vitis_slides/21a_Lab3_Intro.PPTX
@@ -224,7 +224,7 @@
           <a:p>
             <a:fld id="{279EEC3C-A001-4107-B54E-3DA93EFF18E7}" type="datetimeFigureOut">
               <a:rPr lang="en-US" smtClean="0"/>
-              <a:t>3/14/2022</a:t>
+              <a:t>3/28/2022</a:t>
             </a:fld>
             <a:endParaRPr lang="en-US"/>
           </a:p>
@@ -402,7 +402,7 @@
             <a:fld id="{396E16B4-3FB2-4CDC-BEBF-CD70C72EF480}" type="datetimeFigureOut">
               <a:rPr lang="en-US" smtClean="0"/>
               <a:pPr/>
-              <a:t>3/14/2022</a:t>
+              <a:t>3/28/2022</a:t>
             </a:fld>
             <a:endParaRPr lang="en-US"/>
           </a:p>
@@ -3562,47 +3562,6 @@
           </a:p>
         </p:txBody>
       </p:sp>
-      <p:sp>
-        <p:nvSpPr>
-          <p:cNvPr id="4" name="fc" descr=" ">
-            <a:extLst>
-              <a:ext uri="{FF2B5EF4-FFF2-40B4-BE49-F238E27FC236}">
-                <a16:creationId xmlns:a16="http://schemas.microsoft.com/office/drawing/2014/main" id="{2512EF35-E7CE-4F2F-A701-CEDB43450107}"/>
-              </a:ext>
-            </a:extLst>
-          </p:cNvPr>
-          <p:cNvSpPr txBox="1"/>
-          <p:nvPr userDrawn="1"/>
-        </p:nvSpPr>
-        <p:spPr>
-          <a:xfrm>
-            <a:off x="0" y="6537960"/>
-            <a:ext cx="12192000" cy="223138"/>
-          </a:xfrm>
-          <a:prstGeom prst="rect">
-            <a:avLst/>
-          </a:prstGeom>
-          <a:noFill/>
-        </p:spPr>
-        <p:txBody>
-          <a:bodyPr vert="horz" rtlCol="0">
-            <a:spAutoFit/>
-          </a:bodyPr>
-          <a:lstStyle/>
-          <a:p>
-            <a:pPr algn="ctr"/>
-            <a:r>
-              <a:rPr lang="en-US" sz="850" b="0" i="0" u="none" baseline="0">
-                <a:solidFill>
-                  <a:srgbClr val="000000"/>
-                </a:solidFill>
-                <a:latin typeface="Microsoft Sans Serif" panose="020B0604020202020204" pitchFamily="34" charset="0"/>
-              </a:rPr>
-              <a:t> </a:t>
-            </a:r>
-          </a:p>
-        </p:txBody>
-      </p:sp>
       <p:pic>
         <p:nvPicPr>
           <p:cNvPr id="7" name="Picture 6">
@@ -3633,6 +3592,56 @@
           </a:prstGeom>
         </p:spPr>
       </p:pic>
+      <p:sp>
+        <p:nvSpPr>
+          <p:cNvPr id="6" name="fc" descr="&#10;© Copyright 2022 AMD">
+            <a:extLst>
+              <a:ext uri="{FF2B5EF4-FFF2-40B4-BE49-F238E27FC236}">
+                <a16:creationId xmlns:a16="http://schemas.microsoft.com/office/drawing/2014/main" id="{DB055D8F-C43A-4A5E-A3CB-A72B200D80B1}"/>
+              </a:ext>
+            </a:extLst>
+          </p:cNvPr>
+          <p:cNvSpPr txBox="1"/>
+          <p:nvPr userDrawn="1"/>
+        </p:nvSpPr>
+        <p:spPr>
+          <a:xfrm>
+            <a:off x="0" y="6512560"/>
+            <a:ext cx="12192000" cy="377026"/>
+          </a:xfrm>
+          <a:prstGeom prst="rect">
+            <a:avLst/>
+          </a:prstGeom>
+          <a:noFill/>
+        </p:spPr>
+        <p:txBody>
+          <a:bodyPr vert="horz" rtlCol="0">
+            <a:spAutoFit/>
+          </a:bodyPr>
+          <a:lstStyle/>
+          <a:p>
+            <a:pPr algn="ctr"/>
+            <a:endParaRPr lang="en-US" sz="850" b="0" i="0" u="none" baseline="0">
+              <a:solidFill>
+                <a:srgbClr val="000000"/>
+              </a:solidFill>
+              <a:latin typeface="Microsoft Sans Serif" panose="020B0604020202020204" pitchFamily="34" charset="0"/>
+            </a:endParaRPr>
+          </a:p>
+          <a:p>
+            <a:pPr algn="ctr"/>
+            <a:r>
+              <a:rPr lang="en-US" sz="1000" b="0" i="0" u="none" baseline="0">
+                <a:solidFill>
+                  <a:srgbClr val="000000"/>
+                </a:solidFill>
+                <a:latin typeface="Arial" panose="020B0604020202020204" pitchFamily="34" charset="0"/>
+              </a:rPr>
+              <a:t>© Copyright 2022 AMD</a:t>
+            </a:r>
+          </a:p>
+        </p:txBody>
+      </p:sp>
     </p:spTree>
     <p:extLst>
       <p:ext uri="{BB962C8B-B14F-4D97-AF65-F5344CB8AC3E}">
@@ -5698,21 +5707,6 @@
 </file>
 
 <file path=customXml/item1.xml><?xml version="1.0" encoding="utf-8"?>
-<?mso-contentType ?>
-<FormTemplates xmlns="http://schemas.microsoft.com/sharepoint/v3/contenttype/forms">
-  <Display>DocumentLibraryForm</Display>
-  <Edit>DocumentLibraryForm</Edit>
-  <New>DocumentLibraryForm</New>
-</FormTemplates>
-</file>
-
-<file path=customXml/item2.xml><?xml version="1.0" encoding="utf-8"?>
-<p:properties xmlns:p="http://schemas.microsoft.com/office/2006/metadata/properties" xmlns:xsi="http://www.w3.org/2001/XMLSchema-instance" xmlns:pc="http://schemas.microsoft.com/office/infopath/2007/PartnerControls">
-  <documentManagement/>
-</p:properties>
-</file>
-
-<file path=customXml/item3.xml><?xml version="1.0" encoding="utf-8"?>
 <ct:contentTypeSchema xmlns:ct="http://schemas.microsoft.com/office/2006/metadata/contentType" xmlns:ma="http://schemas.microsoft.com/office/2006/metadata/properties/metaAttributes" ct:_="" ma:_="" ma:contentTypeName="Document" ma:contentTypeID="0x01010058A00A9B6178BD498632E37D0AD5CC8E" ma:contentTypeVersion="3" ma:contentTypeDescription="Create a new document." ma:contentTypeScope="" ma:versionID="fbaca91dc24b034817257c3a25d93af0">
   <xsd:schema xmlns:xsd="http://www.w3.org/2001/XMLSchema" xmlns:xs="http://www.w3.org/2001/XMLSchema" xmlns:p="http://schemas.microsoft.com/office/2006/metadata/properties" xmlns:ns2="ee71d666-e06f-4bed-b53d-75a975332d6d" targetNamespace="http://schemas.microsoft.com/office/2006/metadata/properties" ma:root="true" ma:fieldsID="14a92504b4f4f9b68fc7bcdaff1e0a50" ns2:_="">
     <xsd:import namespace="ee71d666-e06f-4bed-b53d-75a975332d6d"/>
@@ -5844,10 +5838,35 @@
 </ct:contentTypeSchema>
 </file>
 
+<file path=customXml/item2.xml><?xml version="1.0" encoding="utf-8"?>
+<p:properties xmlns:p="http://schemas.microsoft.com/office/2006/metadata/properties" xmlns:xsi="http://www.w3.org/2001/XMLSchema-instance" xmlns:pc="http://schemas.microsoft.com/office/infopath/2007/PartnerControls">
+  <documentManagement/>
+</p:properties>
+</file>
+
+<file path=customXml/item3.xml><?xml version="1.0" encoding="utf-8"?>
+<?mso-contentType ?>
+<FormTemplates xmlns="http://schemas.microsoft.com/sharepoint/v3/contenttype/forms">
+  <Display>DocumentLibraryForm</Display>
+  <Edit>DocumentLibraryForm</Edit>
+  <New>DocumentLibraryForm</New>
+</FormTemplates>
+</file>
+
 <file path=customXml/itemProps1.xml><?xml version="1.0" encoding="utf-8"?>
-<ds:datastoreItem xmlns:ds="http://schemas.openxmlformats.org/officeDocument/2006/customXml" ds:itemID="{ABE94A12-9E97-40EB-A974-3BC9F5C18103}">
+<ds:datastoreItem xmlns:ds="http://schemas.openxmlformats.org/officeDocument/2006/customXml" ds:itemID="{F4DF82DF-52AA-4D1D-AC7B-8F45A830CAFE}">
   <ds:schemaRefs>
-    <ds:schemaRef ds:uri="http://schemas.microsoft.com/sharepoint/v3/contenttype/forms"/>
+    <ds:schemaRef ds:uri="http://schemas.microsoft.com/office/2006/metadata/contentType"/>
+    <ds:schemaRef ds:uri="http://schemas.microsoft.com/office/2006/metadata/properties/metaAttributes"/>
+    <ds:schemaRef ds:uri="http://www.w3.org/2001/XMLSchema"/>
+    <ds:schemaRef ds:uri="http://schemas.microsoft.com/office/2006/metadata/properties"/>
+    <ds:schemaRef ds:uri="ee71d666-e06f-4bed-b53d-75a975332d6d"/>
+    <ds:schemaRef ds:uri="http://schemas.microsoft.com/office/2006/documentManagement/types"/>
+    <ds:schemaRef ds:uri="http://schemas.microsoft.com/office/infopath/2007/PartnerControls"/>
+    <ds:schemaRef ds:uri="http://schemas.openxmlformats.org/package/2006/metadata/core-properties"/>
+    <ds:schemaRef ds:uri="http://purl.org/dc/elements/1.1/"/>
+    <ds:schemaRef ds:uri="http://purl.org/dc/terms/"/>
+    <ds:schemaRef ds:uri="http://schemas.microsoft.com/internal/obd"/>
   </ds:schemaRefs>
 </ds:datastoreItem>
 </file>
@@ -5869,19 +5888,9 @@
 </file>
 
 <file path=customXml/itemProps3.xml><?xml version="1.0" encoding="utf-8"?>
-<ds:datastoreItem xmlns:ds="http://schemas.openxmlformats.org/officeDocument/2006/customXml" ds:itemID="{F4DF82DF-52AA-4D1D-AC7B-8F45A830CAFE}">
+<ds:datastoreItem xmlns:ds="http://schemas.openxmlformats.org/officeDocument/2006/customXml" ds:itemID="{ABE94A12-9E97-40EB-A974-3BC9F5C18103}">
   <ds:schemaRefs>
-    <ds:schemaRef ds:uri="http://schemas.microsoft.com/office/2006/metadata/contentType"/>
-    <ds:schemaRef ds:uri="http://schemas.microsoft.com/office/2006/metadata/properties/metaAttributes"/>
-    <ds:schemaRef ds:uri="http://www.w3.org/2001/XMLSchema"/>
-    <ds:schemaRef ds:uri="http://schemas.microsoft.com/office/2006/metadata/properties"/>
-    <ds:schemaRef ds:uri="ee71d666-e06f-4bed-b53d-75a975332d6d"/>
-    <ds:schemaRef ds:uri="http://schemas.microsoft.com/office/2006/documentManagement/types"/>
-    <ds:schemaRef ds:uri="http://schemas.microsoft.com/office/infopath/2007/PartnerControls"/>
-    <ds:schemaRef ds:uri="http://schemas.openxmlformats.org/package/2006/metadata/core-properties"/>
-    <ds:schemaRef ds:uri="http://purl.org/dc/elements/1.1/"/>
-    <ds:schemaRef ds:uri="http://purl.org/dc/terms/"/>
-    <ds:schemaRef ds:uri="http://schemas.microsoft.com/internal/obd"/>
+    <ds:schemaRef ds:uri="http://schemas.microsoft.com/sharepoint/v3/contenttype/forms"/>
   </ds:schemaRefs>
 </ds:datastoreItem>
 </file>
--- a/vitis_slides/21a_Lab3_Intro.PPTX
+++ b/vitis_slides/21a_Lab3_Intro.PPTX
@@ -5,10 +5,10 @@
     <p:sldMasterId id="2147483930" r:id="rId4"/>
   </p:sldMasterIdLst>
   <p:notesMasterIdLst>
-    <p:notesMasterId r:id="rId11"/>
+    <p:notesMasterId r:id="rId12"/>
   </p:notesMasterIdLst>
   <p:handoutMasterIdLst>
-    <p:handoutMasterId r:id="rId12"/>
+    <p:handoutMasterId r:id="rId13"/>
   </p:handoutMasterIdLst>
   <p:sldIdLst>
     <p:sldId id="1052" r:id="rId5"/>
@@ -17,6 +17,7 @@
     <p:sldId id="962" r:id="rId8"/>
     <p:sldId id="963" r:id="rId9"/>
     <p:sldId id="911" r:id="rId10"/>
+    <p:sldId id="3731" r:id="rId11"/>
   </p:sldIdLst>
   <p:sldSz cx="12192000" cy="6858000"/>
   <p:notesSz cx="6858000" cy="9144000"/>
@@ -224,7 +225,7 @@
           <a:p>
             <a:fld id="{279EEC3C-A001-4107-B54E-3DA93EFF18E7}" type="datetimeFigureOut">
               <a:rPr lang="en-US" smtClean="0"/>
-              <a:t>3/28/2022</a:t>
+              <a:t>4/14/2022</a:t>
             </a:fld>
             <a:endParaRPr lang="en-US"/>
           </a:p>
@@ -402,7 +403,7 @@
             <a:fld id="{396E16B4-3FB2-4CDC-BEBF-CD70C72EF480}" type="datetimeFigureOut">
               <a:rPr lang="en-US" smtClean="0"/>
               <a:pPr/>
-              <a:t>3/28/2022</a:t>
+              <a:t>4/14/2022</a:t>
             </a:fld>
             <a:endParaRPr lang="en-US"/>
           </a:p>
@@ -1094,7 +1095,15 @@
             <p:ph type="sldNum" sz="quarter" idx="10"/>
           </p:nvPr>
         </p:nvSpPr>
-        <p:spPr/>
+        <p:spPr>
+          <a:xfrm>
+            <a:off x="579121" y="6325606"/>
+            <a:ext cx="975360" cy="365125"/>
+          </a:xfrm>
+          <a:prstGeom prst="rect">
+            <a:avLst/>
+          </a:prstGeom>
+        </p:spPr>
         <p:txBody>
           <a:bodyPr/>
           <a:lstStyle/>
@@ -1191,44 +1200,6 @@
       </p:sp>
       <p:sp>
         <p:nvSpPr>
-          <p:cNvPr id="3" name="Slide Number Placeholder 2">
-            <a:extLst>
-              <a:ext uri="{FF2B5EF4-FFF2-40B4-BE49-F238E27FC236}">
-                <a16:creationId xmlns:a16="http://schemas.microsoft.com/office/drawing/2014/main" id="{470F2BAF-0E03-9146-9CEF-EF57A7048199}"/>
-              </a:ext>
-            </a:extLst>
-          </p:cNvPr>
-          <p:cNvSpPr>
-            <a:spLocks noGrp="1"/>
-          </p:cNvSpPr>
-          <p:nvPr>
-            <p:ph type="sldNum" sz="quarter" idx="10"/>
-          </p:nvPr>
-        </p:nvSpPr>
-        <p:spPr/>
-        <p:txBody>
-          <a:bodyPr/>
-          <a:lstStyle>
-            <a:lvl1pPr>
-              <a:defRPr>
-                <a:solidFill>
-                  <a:schemeClr val="tx1"/>
-                </a:solidFill>
-              </a:defRPr>
-            </a:lvl1pPr>
-          </a:lstStyle>
-          <a:p>
-            <a:fld id="{626C978B-826E-438C-909A-E9C381D3FF04}" type="slidenum">
-              <a:rPr lang="en-US" smtClean="0"/>
-              <a:pPr/>
-              <a:t>‹#›</a:t>
-            </a:fld>
-            <a:endParaRPr lang="en-US"/>
-          </a:p>
-        </p:txBody>
-      </p:sp>
-      <p:sp>
-        <p:nvSpPr>
           <p:cNvPr id="6" name="Rectangle 5"/>
           <p:cNvSpPr/>
           <p:nvPr userDrawn="1"/>
@@ -1335,6 +1306,57 @@
               <a:rPr lang="en-US"/>
               <a:t>Agenda Item 6</a:t>
             </a:r>
+          </a:p>
+        </p:txBody>
+      </p:sp>
+      <p:sp>
+        <p:nvSpPr>
+          <p:cNvPr id="7" name="Slide Number Placeholder 7">
+            <a:extLst>
+              <a:ext uri="{FF2B5EF4-FFF2-40B4-BE49-F238E27FC236}">
+                <a16:creationId xmlns:a16="http://schemas.microsoft.com/office/drawing/2014/main" id="{76736C50-46B6-4372-BA8B-233455F56C5A}"/>
+              </a:ext>
+            </a:extLst>
+          </p:cNvPr>
+          <p:cNvSpPr>
+            <a:spLocks noGrp="1"/>
+          </p:cNvSpPr>
+          <p:nvPr>
+            <p:ph type="sldNum" sz="quarter" idx="4"/>
+          </p:nvPr>
+        </p:nvSpPr>
+        <p:spPr>
+          <a:xfrm>
+            <a:off x="579120" y="6325606"/>
+            <a:ext cx="2206217" cy="365125"/>
+          </a:xfrm>
+          <a:prstGeom prst="rect">
+            <a:avLst/>
+          </a:prstGeom>
+        </p:spPr>
+        <p:txBody>
+          <a:bodyPr/>
+          <a:lstStyle>
+            <a:lvl1pPr>
+              <a:defRPr sz="1200"/>
+            </a:lvl1pPr>
+          </a:lstStyle>
+          <a:p>
+            <a:pPr>
+              <a:defRPr/>
+            </a:pPr>
+            <a:r>
+              <a:rPr lang="en-US" dirty="0"/>
+              <a:t>Intro to HLS 11- </a:t>
+            </a:r>
+            <a:fld id="{060BD193-E118-4B16-863C-C8C12C675E3E}" type="slidenum">
+              <a:rPr lang="en-US" smtClean="0"/>
+              <a:pPr>
+                <a:defRPr/>
+              </a:pPr>
+              <a:t>‹#›</a:t>
+            </a:fld>
+            <a:endParaRPr lang="en-US" dirty="0"/>
           </a:p>
         </p:txBody>
       </p:sp>
@@ -1415,36 +1437,6 @@
       </p:sp>
       <p:sp>
         <p:nvSpPr>
-          <p:cNvPr id="3" name="Slide Number Placeholder 2">
-            <a:extLst>
-              <a:ext uri="{FF2B5EF4-FFF2-40B4-BE49-F238E27FC236}">
-                <a16:creationId xmlns:a16="http://schemas.microsoft.com/office/drawing/2014/main" id="{470F2BAF-0E03-9146-9CEF-EF57A7048199}"/>
-              </a:ext>
-            </a:extLst>
-          </p:cNvPr>
-          <p:cNvSpPr>
-            <a:spLocks noGrp="1"/>
-          </p:cNvSpPr>
-          <p:nvPr>
-            <p:ph type="sldNum" sz="quarter" idx="10"/>
-          </p:nvPr>
-        </p:nvSpPr>
-        <p:spPr/>
-        <p:txBody>
-          <a:bodyPr/>
-          <a:lstStyle/>
-          <a:p>
-            <a:fld id="{626C978B-826E-438C-909A-E9C381D3FF04}" type="slidenum">
-              <a:rPr lang="en-US" smtClean="0"/>
-              <a:pPr/>
-              <a:t>‹#›</a:t>
-            </a:fld>
-            <a:endParaRPr lang="en-US"/>
-          </a:p>
-        </p:txBody>
-      </p:sp>
-      <p:sp>
-        <p:nvSpPr>
           <p:cNvPr id="6" name="Rectangle 5"/>
           <p:cNvSpPr/>
           <p:nvPr userDrawn="1"/>
@@ -1486,6 +1478,57 @@
           <a:p>
             <a:pPr algn="ctr"/>
             <a:endParaRPr lang="en-US" sz="2400"/>
+          </a:p>
+        </p:txBody>
+      </p:sp>
+      <p:sp>
+        <p:nvSpPr>
+          <p:cNvPr id="5" name="Slide Number Placeholder 7">
+            <a:extLst>
+              <a:ext uri="{FF2B5EF4-FFF2-40B4-BE49-F238E27FC236}">
+                <a16:creationId xmlns:a16="http://schemas.microsoft.com/office/drawing/2014/main" id="{789D404A-C791-4B27-B942-E49E403CF89F}"/>
+              </a:ext>
+            </a:extLst>
+          </p:cNvPr>
+          <p:cNvSpPr>
+            <a:spLocks noGrp="1"/>
+          </p:cNvSpPr>
+          <p:nvPr>
+            <p:ph type="sldNum" sz="quarter" idx="4"/>
+          </p:nvPr>
+        </p:nvSpPr>
+        <p:spPr>
+          <a:xfrm>
+            <a:off x="579120" y="6325606"/>
+            <a:ext cx="2206217" cy="365125"/>
+          </a:xfrm>
+          <a:prstGeom prst="rect">
+            <a:avLst/>
+          </a:prstGeom>
+        </p:spPr>
+        <p:txBody>
+          <a:bodyPr/>
+          <a:lstStyle>
+            <a:lvl1pPr>
+              <a:defRPr sz="1200"/>
+            </a:lvl1pPr>
+          </a:lstStyle>
+          <a:p>
+            <a:pPr>
+              <a:defRPr/>
+            </a:pPr>
+            <a:r>
+              <a:rPr lang="en-US" dirty="0"/>
+              <a:t>Intro to HLS 11- </a:t>
+            </a:r>
+            <a:fld id="{060BD193-E118-4B16-863C-C8C12C675E3E}" type="slidenum">
+              <a:rPr lang="en-US" smtClean="0"/>
+              <a:pPr>
+                <a:defRPr/>
+              </a:pPr>
+              <a:t>‹#›</a:t>
+            </a:fld>
+            <a:endParaRPr lang="en-US" dirty="0"/>
           </a:p>
         </p:txBody>
       </p:sp>
@@ -1566,36 +1609,6 @@
       </p:sp>
       <p:sp>
         <p:nvSpPr>
-          <p:cNvPr id="3" name="Slide Number Placeholder 2">
-            <a:extLst>
-              <a:ext uri="{FF2B5EF4-FFF2-40B4-BE49-F238E27FC236}">
-                <a16:creationId xmlns:a16="http://schemas.microsoft.com/office/drawing/2014/main" id="{470F2BAF-0E03-9146-9CEF-EF57A7048199}"/>
-              </a:ext>
-            </a:extLst>
-          </p:cNvPr>
-          <p:cNvSpPr>
-            <a:spLocks noGrp="1"/>
-          </p:cNvSpPr>
-          <p:nvPr>
-            <p:ph type="sldNum" sz="quarter" idx="10"/>
-          </p:nvPr>
-        </p:nvSpPr>
-        <p:spPr/>
-        <p:txBody>
-          <a:bodyPr/>
-          <a:lstStyle/>
-          <a:p>
-            <a:fld id="{626C978B-826E-438C-909A-E9C381D3FF04}" type="slidenum">
-              <a:rPr lang="en-US" smtClean="0"/>
-              <a:pPr/>
-              <a:t>‹#›</a:t>
-            </a:fld>
-            <a:endParaRPr lang="en-US"/>
-          </a:p>
-        </p:txBody>
-      </p:sp>
-      <p:sp>
-        <p:nvSpPr>
           <p:cNvPr id="4" name="Text Placeholder 2">
             <a:extLst>
               <a:ext uri="{FF2B5EF4-FFF2-40B4-BE49-F238E27FC236}">
@@ -1735,6 +1748,57 @@
           <a:p>
             <a:pPr algn="ctr"/>
             <a:endParaRPr lang="en-US" sz="2400"/>
+          </a:p>
+        </p:txBody>
+      </p:sp>
+      <p:sp>
+        <p:nvSpPr>
+          <p:cNvPr id="7" name="Slide Number Placeholder 7">
+            <a:extLst>
+              <a:ext uri="{FF2B5EF4-FFF2-40B4-BE49-F238E27FC236}">
+                <a16:creationId xmlns:a16="http://schemas.microsoft.com/office/drawing/2014/main" id="{821B4DFC-EDE2-4B21-AB06-8AECBF1DEBC9}"/>
+              </a:ext>
+            </a:extLst>
+          </p:cNvPr>
+          <p:cNvSpPr>
+            <a:spLocks noGrp="1"/>
+          </p:cNvSpPr>
+          <p:nvPr>
+            <p:ph type="sldNum" sz="quarter" idx="4"/>
+          </p:nvPr>
+        </p:nvSpPr>
+        <p:spPr>
+          <a:xfrm>
+            <a:off x="579120" y="6325606"/>
+            <a:ext cx="2206217" cy="365125"/>
+          </a:xfrm>
+          <a:prstGeom prst="rect">
+            <a:avLst/>
+          </a:prstGeom>
+        </p:spPr>
+        <p:txBody>
+          <a:bodyPr/>
+          <a:lstStyle>
+            <a:lvl1pPr>
+              <a:defRPr sz="1200"/>
+            </a:lvl1pPr>
+          </a:lstStyle>
+          <a:p>
+            <a:pPr>
+              <a:defRPr/>
+            </a:pPr>
+            <a:r>
+              <a:rPr lang="en-US" dirty="0"/>
+              <a:t>Intro to HLS 11- </a:t>
+            </a:r>
+            <a:fld id="{060BD193-E118-4B16-863C-C8C12C675E3E}" type="slidenum">
+              <a:rPr lang="en-US" smtClean="0"/>
+              <a:pPr>
+                <a:defRPr/>
+              </a:pPr>
+              <a:t>‹#›</a:t>
+            </a:fld>
+            <a:endParaRPr lang="en-US" dirty="0"/>
           </a:p>
         </p:txBody>
       </p:sp>
@@ -2003,54 +2067,6 @@
       </p:sp>
       <p:sp>
         <p:nvSpPr>
-          <p:cNvPr id="7" name="Slide Number Placeholder 4">
-            <a:extLst>
-              <a:ext uri="{FF2B5EF4-FFF2-40B4-BE49-F238E27FC236}">
-                <a16:creationId xmlns:a16="http://schemas.microsoft.com/office/drawing/2014/main" id="{1A8B06E9-672B-49AA-8789-D576D5680872}"/>
-              </a:ext>
-            </a:extLst>
-          </p:cNvPr>
-          <p:cNvSpPr>
-            <a:spLocks noGrp="1"/>
-          </p:cNvSpPr>
-          <p:nvPr>
-            <p:ph type="sldNum" sz="quarter" idx="4"/>
-          </p:nvPr>
-        </p:nvSpPr>
-        <p:spPr>
-          <a:xfrm>
-            <a:off x="586646" y="6363709"/>
-            <a:ext cx="975360" cy="365125"/>
-          </a:xfrm>
-          <a:prstGeom prst="rect">
-            <a:avLst/>
-          </a:prstGeom>
-        </p:spPr>
-        <p:txBody>
-          <a:bodyPr vert="horz" lIns="91440" tIns="45720" rIns="91440" bIns="45720" rtlCol="0" anchor="b"/>
-          <a:lstStyle>
-            <a:lvl1pPr marL="0" indent="0" algn="l">
-              <a:buFont typeface="Arial" panose="020B0604020202020204" pitchFamily="34" charset="0"/>
-              <a:buNone/>
-              <a:defRPr sz="1133" b="1">
-                <a:solidFill>
-                  <a:schemeClr val="tx1"/>
-                </a:solidFill>
-              </a:defRPr>
-            </a:lvl1pPr>
-          </a:lstStyle>
-          <a:p>
-            <a:fld id="{626C978B-826E-438C-909A-E9C381D3FF04}" type="slidenum">
-              <a:rPr lang="en-US" smtClean="0"/>
-              <a:pPr/>
-              <a:t>‹#›</a:t>
-            </a:fld>
-            <a:endParaRPr lang="en-US"/>
-          </a:p>
-        </p:txBody>
-      </p:sp>
-      <p:sp>
-        <p:nvSpPr>
           <p:cNvPr id="9" name="Rectangle 8"/>
           <p:cNvSpPr/>
           <p:nvPr userDrawn="1"/>
@@ -2092,6 +2108,57 @@
           <a:p>
             <a:pPr algn="ctr"/>
             <a:endParaRPr lang="en-US" sz="2400"/>
+          </a:p>
+        </p:txBody>
+      </p:sp>
+      <p:sp>
+        <p:nvSpPr>
+          <p:cNvPr id="8" name="Slide Number Placeholder 7">
+            <a:extLst>
+              <a:ext uri="{FF2B5EF4-FFF2-40B4-BE49-F238E27FC236}">
+                <a16:creationId xmlns:a16="http://schemas.microsoft.com/office/drawing/2014/main" id="{08CD7C78-F48E-4B52-A34C-C9AE120BDBF6}"/>
+              </a:ext>
+            </a:extLst>
+          </p:cNvPr>
+          <p:cNvSpPr>
+            <a:spLocks noGrp="1"/>
+          </p:cNvSpPr>
+          <p:nvPr>
+            <p:ph type="sldNum" sz="quarter" idx="4"/>
+          </p:nvPr>
+        </p:nvSpPr>
+        <p:spPr>
+          <a:xfrm>
+            <a:off x="579120" y="6325606"/>
+            <a:ext cx="2206217" cy="365125"/>
+          </a:xfrm>
+          <a:prstGeom prst="rect">
+            <a:avLst/>
+          </a:prstGeom>
+        </p:spPr>
+        <p:txBody>
+          <a:bodyPr/>
+          <a:lstStyle>
+            <a:lvl1pPr>
+              <a:defRPr sz="1200"/>
+            </a:lvl1pPr>
+          </a:lstStyle>
+          <a:p>
+            <a:pPr>
+              <a:defRPr/>
+            </a:pPr>
+            <a:r>
+              <a:rPr lang="en-US" dirty="0"/>
+              <a:t>Intro to HLS 11- </a:t>
+            </a:r>
+            <a:fld id="{060BD193-E118-4B16-863C-C8C12C675E3E}" type="slidenum">
+              <a:rPr lang="en-US" smtClean="0"/>
+              <a:pPr>
+                <a:defRPr/>
+              </a:pPr>
+              <a:t>‹#›</a:t>
+            </a:fld>
+            <a:endParaRPr lang="en-US" dirty="0"/>
           </a:p>
         </p:txBody>
       </p:sp>
@@ -2273,54 +2340,6 @@
           </a:p>
         </p:txBody>
       </p:sp>
-      <p:sp>
-        <p:nvSpPr>
-          <p:cNvPr id="7" name="Slide Number Placeholder 4">
-            <a:extLst>
-              <a:ext uri="{FF2B5EF4-FFF2-40B4-BE49-F238E27FC236}">
-                <a16:creationId xmlns:a16="http://schemas.microsoft.com/office/drawing/2014/main" id="{1E052772-3EFC-D34C-AA1A-1135DE3C5541}"/>
-              </a:ext>
-            </a:extLst>
-          </p:cNvPr>
-          <p:cNvSpPr>
-            <a:spLocks noGrp="1"/>
-          </p:cNvSpPr>
-          <p:nvPr>
-            <p:ph type="sldNum" sz="quarter" idx="4"/>
-          </p:nvPr>
-        </p:nvSpPr>
-        <p:spPr>
-          <a:xfrm>
-            <a:off x="586646" y="6325609"/>
-            <a:ext cx="975360" cy="365125"/>
-          </a:xfrm>
-          <a:prstGeom prst="rect">
-            <a:avLst/>
-          </a:prstGeom>
-        </p:spPr>
-        <p:txBody>
-          <a:bodyPr vert="horz" lIns="91440" tIns="45720" rIns="91440" bIns="45720" rtlCol="0" anchor="ctr"/>
-          <a:lstStyle>
-            <a:lvl1pPr marL="0" indent="0" algn="l">
-              <a:buFont typeface="Arial" panose="020B0604020202020204" pitchFamily="34" charset="0"/>
-              <a:buNone/>
-              <a:defRPr sz="1133" b="1">
-                <a:solidFill>
-                  <a:schemeClr val="bg1"/>
-                </a:solidFill>
-              </a:defRPr>
-            </a:lvl1pPr>
-          </a:lstStyle>
-          <a:p>
-            <a:fld id="{626C978B-826E-438C-909A-E9C381D3FF04}" type="slidenum">
-              <a:rPr lang="en-US" smtClean="0"/>
-              <a:pPr/>
-              <a:t>‹#›</a:t>
-            </a:fld>
-            <a:endParaRPr lang="en-US"/>
-          </a:p>
-        </p:txBody>
-      </p:sp>
     </p:spTree>
     <p:extLst>
       <p:ext uri="{BB962C8B-B14F-4D97-AF65-F5344CB8AC3E}">
@@ -2530,54 +2549,6 @@
           <a:lstStyle/>
           <a:p>
             <a:pPr algn="ctr"/>
-            <a:endParaRPr lang="en-US"/>
-          </a:p>
-        </p:txBody>
-      </p:sp>
-      <p:sp>
-        <p:nvSpPr>
-          <p:cNvPr id="9" name="Slide Number Placeholder 4">
-            <a:extLst>
-              <a:ext uri="{FF2B5EF4-FFF2-40B4-BE49-F238E27FC236}">
-                <a16:creationId xmlns:a16="http://schemas.microsoft.com/office/drawing/2014/main" id="{5B8CD8B4-2837-BA4D-9DA4-67F8481F164B}"/>
-              </a:ext>
-            </a:extLst>
-          </p:cNvPr>
-          <p:cNvSpPr>
-            <a:spLocks noGrp="1"/>
-          </p:cNvSpPr>
-          <p:nvPr>
-            <p:ph type="sldNum" sz="quarter" idx="4"/>
-          </p:nvPr>
-        </p:nvSpPr>
-        <p:spPr>
-          <a:xfrm>
-            <a:off x="586646" y="6325609"/>
-            <a:ext cx="975360" cy="365125"/>
-          </a:xfrm>
-          <a:prstGeom prst="rect">
-            <a:avLst/>
-          </a:prstGeom>
-        </p:spPr>
-        <p:txBody>
-          <a:bodyPr vert="horz" lIns="91440" tIns="45720" rIns="91440" bIns="45720" rtlCol="0" anchor="ctr"/>
-          <a:lstStyle>
-            <a:lvl1pPr marL="0" indent="0" algn="l">
-              <a:buFont typeface="Arial" panose="020B0604020202020204" pitchFamily="34" charset="0"/>
-              <a:buNone/>
-              <a:defRPr sz="1133" b="1">
-                <a:solidFill>
-                  <a:schemeClr val="bg1"/>
-                </a:solidFill>
-              </a:defRPr>
-            </a:lvl1pPr>
-          </a:lstStyle>
-          <a:p>
-            <a:fld id="{626C978B-826E-438C-909A-E9C381D3FF04}" type="slidenum">
-              <a:rPr lang="en-US" smtClean="0"/>
-              <a:pPr/>
-              <a:t>‹#›</a:t>
-            </a:fld>
             <a:endParaRPr lang="en-US"/>
           </a:p>
         </p:txBody>
@@ -3461,48 +3432,6 @@
       </p:sp>
       <p:sp>
         <p:nvSpPr>
-          <p:cNvPr id="5" name="Slide Number Placeholder 4"/>
-          <p:cNvSpPr>
-            <a:spLocks noGrp="1"/>
-          </p:cNvSpPr>
-          <p:nvPr>
-            <p:ph type="sldNum" sz="quarter" idx="4"/>
-          </p:nvPr>
-        </p:nvSpPr>
-        <p:spPr>
-          <a:xfrm>
-            <a:off x="579121" y="6325606"/>
-            <a:ext cx="975360" cy="365125"/>
-          </a:xfrm>
-          <a:prstGeom prst="rect">
-            <a:avLst/>
-          </a:prstGeom>
-        </p:spPr>
-        <p:txBody>
-          <a:bodyPr vert="horz" lIns="91440" tIns="45720" rIns="91440" bIns="45720" rtlCol="0" anchor="ctr"/>
-          <a:lstStyle>
-            <a:lvl1pPr marL="0" indent="0" algn="l">
-              <a:buFont typeface="Arial" panose="020B0604020202020204" pitchFamily="34" charset="0"/>
-              <a:buNone/>
-              <a:defRPr sz="1133" b="1">
-                <a:solidFill>
-                  <a:schemeClr val="tx1"/>
-                </a:solidFill>
-              </a:defRPr>
-            </a:lvl1pPr>
-          </a:lstStyle>
-          <a:p>
-            <a:fld id="{626C978B-826E-438C-909A-E9C381D3FF04}" type="slidenum">
-              <a:rPr lang="en-US" smtClean="0"/>
-              <a:pPr/>
-              <a:t>‹#›</a:t>
-            </a:fld>
-            <a:endParaRPr lang="en-US"/>
-          </a:p>
-        </p:txBody>
-      </p:sp>
-      <p:sp>
-        <p:nvSpPr>
           <p:cNvPr id="3" name="Text Placeholder 2"/>
           <p:cNvSpPr>
             <a:spLocks noGrp="1"/>
@@ -3594,10 +3523,10 @@
       </p:pic>
       <p:sp>
         <p:nvSpPr>
-          <p:cNvPr id="6" name="fc" descr="&#10;© Copyright 2022 AMD">
+          <p:cNvPr id="8" name="fc" descr="&#10;© Copyright 2022 AMD">
             <a:extLst>
               <a:ext uri="{FF2B5EF4-FFF2-40B4-BE49-F238E27FC236}">
-                <a16:creationId xmlns:a16="http://schemas.microsoft.com/office/drawing/2014/main" id="{DB055D8F-C43A-4A5E-A3CB-A72B200D80B1}"/>
+                <a16:creationId xmlns:a16="http://schemas.microsoft.com/office/drawing/2014/main" id="{F142A9D2-5F55-470C-8197-83991E4D674D}"/>
               </a:ext>
             </a:extLst>
           </p:cNvPr>
@@ -3607,7 +3536,7 @@
         <p:spPr>
           <a:xfrm>
             <a:off x="0" y="6512560"/>
-            <a:ext cx="12192000" cy="377026"/>
+            <a:ext cx="12192000" cy="230832"/>
           </a:xfrm>
           <a:prstGeom prst="rect">
             <a:avLst/>
@@ -3621,24 +3550,74 @@
           <a:lstStyle/>
           <a:p>
             <a:pPr algn="ctr"/>
-            <a:endParaRPr lang="en-US" sz="850" b="0" i="0" u="none" baseline="0">
+            <a:r>
+              <a:rPr lang="en-US" sz="900" b="0" i="0" u="none" strike="noStrike" kern="1200" baseline="0" dirty="0">
+                <a:solidFill>
+                  <a:schemeClr val="tx1"/>
+                </a:solidFill>
+                <a:latin typeface="+mn-lt"/>
+                <a:ea typeface="+mn-ea"/>
+                <a:cs typeface="+mn-cs"/>
+              </a:rPr>
+              <a:t>©2022 Advanced Micro Devices, Inc.</a:t>
+            </a:r>
+            <a:endParaRPr lang="en-US" sz="850" b="0" i="0" u="none" baseline="0" dirty="0">
               <a:solidFill>
                 <a:srgbClr val="000000"/>
               </a:solidFill>
               <a:latin typeface="Microsoft Sans Serif" panose="020B0604020202020204" pitchFamily="34" charset="0"/>
             </a:endParaRPr>
           </a:p>
-          <a:p>
-            <a:pPr algn="ctr"/>
-            <a:r>
-              <a:rPr lang="en-US" sz="1000" b="0" i="0" u="none" baseline="0">
-                <a:solidFill>
-                  <a:srgbClr val="000000"/>
-                </a:solidFill>
-                <a:latin typeface="Arial" panose="020B0604020202020204" pitchFamily="34" charset="0"/>
-              </a:rPr>
-              <a:t>© Copyright 2022 AMD</a:t>
-            </a:r>
+        </p:txBody>
+      </p:sp>
+      <p:sp>
+        <p:nvSpPr>
+          <p:cNvPr id="9" name="Slide Number Placeholder 7">
+            <a:extLst>
+              <a:ext uri="{FF2B5EF4-FFF2-40B4-BE49-F238E27FC236}">
+                <a16:creationId xmlns:a16="http://schemas.microsoft.com/office/drawing/2014/main" id="{C183EEDF-FFF5-493D-BA14-431A82673147}"/>
+              </a:ext>
+            </a:extLst>
+          </p:cNvPr>
+          <p:cNvSpPr>
+            <a:spLocks noGrp="1"/>
+          </p:cNvSpPr>
+          <p:nvPr>
+            <p:ph type="sldNum" sz="quarter" idx="4"/>
+          </p:nvPr>
+        </p:nvSpPr>
+        <p:spPr>
+          <a:xfrm>
+            <a:off x="579120" y="6325606"/>
+            <a:ext cx="2206217" cy="365125"/>
+          </a:xfrm>
+          <a:prstGeom prst="rect">
+            <a:avLst/>
+          </a:prstGeom>
+        </p:spPr>
+        <p:txBody>
+          <a:bodyPr/>
+          <a:lstStyle>
+            <a:lvl1pPr>
+              <a:defRPr sz="1200"/>
+            </a:lvl1pPr>
+          </a:lstStyle>
+          <a:p>
+            <a:pPr>
+              <a:defRPr/>
+            </a:pPr>
+            <a:r>
+              <a:rPr lang="en-US" dirty="0"/>
+              <a:t>Intro to HLS 11- </a:t>
+            </a:r>
+            <a:fld id="{060BD193-E118-4B16-863C-C8C12C675E3E}" type="slidenum">
+              <a:rPr lang="en-US" smtClean="0"/>
+              <a:pPr>
+                <a:defRPr/>
+              </a:pPr>
+              <a:t>‹#›</a:t>
+            </a:fld>
+            <a:endParaRPr lang="en-US" dirty="0"/>
           </a:p>
         </p:txBody>
       </p:sp>
@@ -4105,10 +4084,7 @@
           <a:bodyPr/>
           <a:lstStyle/>
           <a:p>
-            <a:r>
-              <a:rPr lang="en-US" dirty="0"/>
-              <a:t>XUP</a:t>
-            </a:r>
+            <a:endParaRPr lang="en-US" dirty="0"/>
           </a:p>
         </p:txBody>
       </p:sp>
@@ -4259,7 +4235,7 @@
             <a:spLocks noGrp="1"/>
           </p:cNvSpPr>
           <p:nvPr>
-            <p:ph type="sldNum" sz="quarter" idx="10"/>
+            <p:ph type="sldNum" sz="quarter" idx="4"/>
           </p:nvPr>
         </p:nvSpPr>
         <p:spPr/>
@@ -4290,6 +4266,18 @@
   <p:clrMapOvr>
     <a:masterClrMapping/>
   </p:clrMapOvr>
+  <mc:AlternateContent xmlns:mc="http://schemas.openxmlformats.org/markup-compatibility/2006" xmlns:p14="http://schemas.microsoft.com/office/powerpoint/2010/main">
+    <mc:Choice Requires="p14">
+      <p:transition spd="med" p14:dur="700">
+        <p:fade/>
+      </p:transition>
+    </mc:Choice>
+    <mc:Fallback xmlns="">
+      <p:transition spd="med">
+        <p:fade/>
+      </p:transition>
+    </mc:Fallback>
+  </mc:AlternateContent>
 </p:sld>
 </file>
 
@@ -4482,7 +4470,7 @@
             <a:spLocks noGrp="1"/>
           </p:cNvSpPr>
           <p:nvPr>
-            <p:ph type="sldNum" sz="quarter" idx="10"/>
+            <p:ph type="sldNum" sz="quarter" idx="4"/>
           </p:nvPr>
         </p:nvSpPr>
         <p:spPr>
@@ -4568,6 +4556,18 @@
   <p:clrMapOvr>
     <a:masterClrMapping/>
   </p:clrMapOvr>
+  <mc:AlternateContent xmlns:mc="http://schemas.openxmlformats.org/markup-compatibility/2006" xmlns:p14="http://schemas.microsoft.com/office/powerpoint/2010/main">
+    <mc:Choice Requires="p14">
+      <p:transition spd="med" p14:dur="700">
+        <p:fade/>
+      </p:transition>
+    </mc:Choice>
+    <mc:Fallback xmlns="">
+      <p:transition spd="med">
+        <p:fade/>
+      </p:transition>
+    </mc:Fallback>
+  </mc:AlternateContent>
 </p:sld>
 </file>
 
@@ -4686,7 +4686,7 @@
             <a:spLocks noGrp="1"/>
           </p:cNvSpPr>
           <p:nvPr>
-            <p:ph type="sldNum" sz="quarter" idx="10"/>
+            <p:ph type="sldNum" sz="quarter" idx="4"/>
           </p:nvPr>
         </p:nvSpPr>
         <p:spPr>
@@ -4716,6 +4716,18 @@
   <p:clrMapOvr>
     <a:masterClrMapping/>
   </p:clrMapOvr>
+  <mc:AlternateContent xmlns:mc="http://schemas.openxmlformats.org/markup-compatibility/2006" xmlns:p14="http://schemas.microsoft.com/office/powerpoint/2010/main">
+    <mc:Choice Requires="p14">
+      <p:transition spd="med" p14:dur="700">
+        <p:fade/>
+      </p:transition>
+    </mc:Choice>
+    <mc:Fallback xmlns="">
+      <p:transition spd="med">
+        <p:fade/>
+      </p:transition>
+    </mc:Fallback>
+  </mc:AlternateContent>
 </p:sld>
 </file>
 
@@ -4797,7 +4809,7 @@
             <a:spLocks noGrp="1"/>
           </p:cNvSpPr>
           <p:nvPr>
-            <p:ph type="sldNum" sz="quarter" idx="10"/>
+            <p:ph type="sldNum" sz="quarter" idx="4"/>
           </p:nvPr>
         </p:nvSpPr>
         <p:spPr>
@@ -4827,6 +4839,18 @@
   <p:clrMapOvr>
     <a:masterClrMapping/>
   </p:clrMapOvr>
+  <mc:AlternateContent xmlns:mc="http://schemas.openxmlformats.org/markup-compatibility/2006" xmlns:p14="http://schemas.microsoft.com/office/powerpoint/2010/main">
+    <mc:Choice Requires="p14">
+      <p:transition spd="med" p14:dur="700">
+        <p:fade/>
+      </p:transition>
+    </mc:Choice>
+    <mc:Fallback xmlns="">
+      <p:transition spd="med">
+        <p:fade/>
+      </p:transition>
+    </mc:Fallback>
+  </mc:AlternateContent>
 </p:sld>
 </file>
 
@@ -4851,6 +4875,48 @@
     <p:extLst>
       <p:ext uri="{BB962C8B-B14F-4D97-AF65-F5344CB8AC3E}">
         <p14:creationId xmlns:p14="http://schemas.microsoft.com/office/powerpoint/2010/main" val="3051547877"/>
+      </p:ext>
+    </p:extLst>
+  </p:cSld>
+  <p:clrMapOvr>
+    <a:masterClrMapping/>
+  </p:clrMapOvr>
+  <mc:AlternateContent xmlns:mc="http://schemas.openxmlformats.org/markup-compatibility/2006" xmlns:p14="http://schemas.microsoft.com/office/powerpoint/2010/main">
+    <mc:Choice Requires="p14">
+      <p:transition spd="med" p14:dur="700">
+        <p:fade/>
+      </p:transition>
+    </mc:Choice>
+    <mc:Fallback xmlns="">
+      <p:transition spd="med">
+        <p:fade/>
+      </p:transition>
+    </mc:Fallback>
+  </mc:AlternateContent>
+</p:sld>
+</file>
+
+<file path=ppt/slides/slide7.xml><?xml version="1.0" encoding="utf-8"?>
+<p:sld xmlns:a="http://schemas.openxmlformats.org/drawingml/2006/main" xmlns:r="http://schemas.openxmlformats.org/officeDocument/2006/relationships" xmlns:p="http://schemas.openxmlformats.org/presentationml/2006/main">
+  <p:cSld>
+    <p:spTree>
+      <p:nvGrpSpPr>
+        <p:cNvPr id="1" name=""/>
+        <p:cNvGrpSpPr/>
+        <p:nvPr/>
+      </p:nvGrpSpPr>
+      <p:grpSpPr>
+        <a:xfrm>
+          <a:off x="0" y="0"/>
+          <a:ext cx="0" cy="0"/>
+          <a:chOff x="0" y="0"/>
+          <a:chExt cx="0" cy="0"/>
+        </a:xfrm>
+      </p:grpSpPr>
+    </p:spTree>
+    <p:extLst>
+      <p:ext uri="{BB962C8B-B14F-4D97-AF65-F5344CB8AC3E}">
+        <p14:creationId xmlns:p14="http://schemas.microsoft.com/office/powerpoint/2010/main" val="3000253592"/>
       </p:ext>
     </p:extLst>
   </p:cSld>
@@ -5707,6 +5773,15 @@
 </file>
 
 <file path=customXml/item1.xml><?xml version="1.0" encoding="utf-8"?>
+<?mso-contentType ?>
+<FormTemplates xmlns="http://schemas.microsoft.com/sharepoint/v3/contenttype/forms">
+  <Display>DocumentLibraryForm</Display>
+  <Edit>DocumentLibraryForm</Edit>
+  <New>DocumentLibraryForm</New>
+</FormTemplates>
+</file>
+
+<file path=customXml/item2.xml><?xml version="1.0" encoding="utf-8"?>
 <ct:contentTypeSchema xmlns:ct="http://schemas.microsoft.com/office/2006/metadata/contentType" xmlns:ma="http://schemas.microsoft.com/office/2006/metadata/properties/metaAttributes" ct:_="" ma:_="" ma:contentTypeName="Document" ma:contentTypeID="0x01010058A00A9B6178BD498632E37D0AD5CC8E" ma:contentTypeVersion="3" ma:contentTypeDescription="Create a new document." ma:contentTypeScope="" ma:versionID="fbaca91dc24b034817257c3a25d93af0">
   <xsd:schema xmlns:xsd="http://www.w3.org/2001/XMLSchema" xmlns:xs="http://www.w3.org/2001/XMLSchema" xmlns:p="http://schemas.microsoft.com/office/2006/metadata/properties" xmlns:ns2="ee71d666-e06f-4bed-b53d-75a975332d6d" targetNamespace="http://schemas.microsoft.com/office/2006/metadata/properties" ma:root="true" ma:fieldsID="14a92504b4f4f9b68fc7bcdaff1e0a50" ns2:_="">
     <xsd:import namespace="ee71d666-e06f-4bed-b53d-75a975332d6d"/>
@@ -5838,22 +5913,21 @@
 </ct:contentTypeSchema>
 </file>
 
-<file path=customXml/item2.xml><?xml version="1.0" encoding="utf-8"?>
+<file path=customXml/item3.xml><?xml version="1.0" encoding="utf-8"?>
 <p:properties xmlns:p="http://schemas.microsoft.com/office/2006/metadata/properties" xmlns:xsi="http://www.w3.org/2001/XMLSchema-instance" xmlns:pc="http://schemas.microsoft.com/office/infopath/2007/PartnerControls">
   <documentManagement/>
 </p:properties>
 </file>
 
-<file path=customXml/item3.xml><?xml version="1.0" encoding="utf-8"?>
-<?mso-contentType ?>
-<FormTemplates xmlns="http://schemas.microsoft.com/sharepoint/v3/contenttype/forms">
-  <Display>DocumentLibraryForm</Display>
-  <Edit>DocumentLibraryForm</Edit>
-  <New>DocumentLibraryForm</New>
-</FormTemplates>
+<file path=customXml/itemProps1.xml><?xml version="1.0" encoding="utf-8"?>
+<ds:datastoreItem xmlns:ds="http://schemas.openxmlformats.org/officeDocument/2006/customXml" ds:itemID="{ABE94A12-9E97-40EB-A974-3BC9F5C18103}">
+  <ds:schemaRefs>
+    <ds:schemaRef ds:uri="http://schemas.microsoft.com/sharepoint/v3/contenttype/forms"/>
+  </ds:schemaRefs>
+</ds:datastoreItem>
 </file>
 
-<file path=customXml/itemProps1.xml><?xml version="1.0" encoding="utf-8"?>
+<file path=customXml/itemProps2.xml><?xml version="1.0" encoding="utf-8"?>
 <ds:datastoreItem xmlns:ds="http://schemas.openxmlformats.org/officeDocument/2006/customXml" ds:itemID="{F4DF82DF-52AA-4D1D-AC7B-8F45A830CAFE}">
   <ds:schemaRefs>
     <ds:schemaRef ds:uri="http://schemas.microsoft.com/office/2006/metadata/contentType"/>
@@ -5871,7 +5945,7 @@
 </ds:datastoreItem>
 </file>
 
-<file path=customXml/itemProps2.xml><?xml version="1.0" encoding="utf-8"?>
+<file path=customXml/itemProps3.xml><?xml version="1.0" encoding="utf-8"?>
 <ds:datastoreItem xmlns:ds="http://schemas.openxmlformats.org/officeDocument/2006/customXml" ds:itemID="{860316F9-D49B-43D3-B1A5-38BBC2E7659C}">
   <ds:schemaRefs>
     <ds:schemaRef ds:uri="http://purl.org/dc/terms/"/>
@@ -5885,12 +5959,4 @@
     <ds:schemaRef ds:uri="http://purl.org/dc/dcmitype/"/>
   </ds:schemaRefs>
 </ds:datastoreItem>
-</file>
-
-<file path=customXml/itemProps3.xml><?xml version="1.0" encoding="utf-8"?>
-<ds:datastoreItem xmlns:ds="http://schemas.openxmlformats.org/officeDocument/2006/customXml" ds:itemID="{ABE94A12-9E97-40EB-A974-3BC9F5C18103}">
-  <ds:schemaRefs>
-    <ds:schemaRef ds:uri="http://schemas.microsoft.com/sharepoint/v3/contenttype/forms"/>
-  </ds:schemaRefs>
-</ds:datastoreItem>
 </file>